--- a/day9.pptx
+++ b/day9.pptx
@@ -1010,7 +1010,7 @@
   <dgm:whole/>
   <dgm:extLst>
     <a:ext uri="http://schemas.microsoft.com/office/drawing/2008/diagram">
-      <dsp:dataModelExt xmlns:dsp="http://schemas.microsoft.com/office/drawing/2008/diagram" relId="rId8" minVer="http://schemas.openxmlformats.org/drawingml/2006/diagram"/>
+      <dsp:dataModelExt xmlns:dsp="http://schemas.microsoft.com/office/drawing/2008/diagram" relId="rId6" minVer="http://schemas.openxmlformats.org/drawingml/2006/diagram"/>
     </a:ext>
   </dgm:extLst>
 </dgm:dataModel>
@@ -2475,7 +2475,7 @@
           <a:p>
             <a:fld id="{3B2477CB-E0AE-4281-99AD-4E48B34E3FDC}" type="datetimeFigureOut">
               <a:rPr lang="en-IN" smtClean="0"/>
-              <a:t>04-12-2025</a:t>
+              <a:t>31-01-2026</a:t>
             </a:fld>
             <a:endParaRPr lang="en-IN"/>
           </a:p>
@@ -3074,7 +3074,7 @@
           <a:p>
             <a:fld id="{1D8BD707-D9CF-40AE-B4C6-C98DA3205C09}" type="datetimeFigureOut">
               <a:rPr lang="en-US" smtClean="0"/>
-              <a:t>12/4/2025</a:t>
+              <a:t>1/31/2026</a:t>
             </a:fld>
             <a:endParaRPr lang="en-US"/>
           </a:p>
@@ -3398,7 +3398,7 @@
           <a:p>
             <a:fld id="{1D8BD707-D9CF-40AE-B4C6-C98DA3205C09}" type="datetimeFigureOut">
               <a:rPr lang="en-US" smtClean="0"/>
-              <a:t>12/4/2025</a:t>
+              <a:t>1/31/2026</a:t>
             </a:fld>
             <a:endParaRPr lang="en-US"/>
           </a:p>
@@ -3681,7 +3681,7 @@
           <a:p>
             <a:fld id="{1D8BD707-D9CF-40AE-B4C6-C98DA3205C09}" type="datetimeFigureOut">
               <a:rPr lang="en-US" smtClean="0"/>
-              <a:t>12/4/2025</a:t>
+              <a:t>1/31/2026</a:t>
             </a:fld>
             <a:endParaRPr lang="en-US"/>
           </a:p>
@@ -3929,7 +3929,7 @@
           <a:p>
             <a:fld id="{1D8BD707-D9CF-40AE-B4C6-C98DA3205C09}" type="datetimeFigureOut">
               <a:rPr lang="en-US" smtClean="0"/>
-              <a:t>12/4/2025</a:t>
+              <a:t>1/31/2026</a:t>
             </a:fld>
             <a:endParaRPr lang="en-US"/>
           </a:p>
@@ -4268,7 +4268,7 @@
           <a:p>
             <a:fld id="{1D8BD707-D9CF-40AE-B4C6-C98DA3205C09}" type="datetimeFigureOut">
               <a:rPr lang="en-US" smtClean="0"/>
-              <a:t>12/4/2025</a:t>
+              <a:t>1/31/2026</a:t>
             </a:fld>
             <a:endParaRPr lang="en-US"/>
           </a:p>
@@ -4615,7 +4615,7 @@
           <a:p>
             <a:fld id="{1D8BD707-D9CF-40AE-B4C6-C98DA3205C09}" type="datetimeFigureOut">
               <a:rPr lang="en-US" smtClean="0"/>
-              <a:t>12/4/2025</a:t>
+              <a:t>1/31/2026</a:t>
             </a:fld>
             <a:endParaRPr lang="en-US"/>
           </a:p>
@@ -4989,7 +4989,7 @@
           <a:p>
             <a:fld id="{1D8BD707-D9CF-40AE-B4C6-C98DA3205C09}" type="datetimeFigureOut">
               <a:rPr lang="en-US" smtClean="0"/>
-              <a:t>12/4/2025</a:t>
+              <a:t>1/31/2026</a:t>
             </a:fld>
             <a:endParaRPr lang="en-US"/>
           </a:p>
@@ -5459,7 +5459,7 @@
           <a:p>
             <a:fld id="{1D8BD707-D9CF-40AE-B4C6-C98DA3205C09}" type="datetimeFigureOut">
               <a:rPr lang="en-US" smtClean="0"/>
-              <a:t>12/4/2025</a:t>
+              <a:t>1/31/2026</a:t>
             </a:fld>
             <a:endParaRPr lang="en-US"/>
           </a:p>
@@ -5669,7 +5669,7 @@
           <a:p>
             <a:fld id="{1D8BD707-D9CF-40AE-B4C6-C98DA3205C09}" type="datetimeFigureOut">
               <a:rPr lang="en-US" smtClean="0"/>
-              <a:t>12/4/2025</a:t>
+              <a:t>1/31/2026</a:t>
             </a:fld>
             <a:endParaRPr lang="en-US"/>
           </a:p>
@@ -5880,7 +5880,7 @@
           <a:p>
             <a:fld id="{1D8BD707-D9CF-40AE-B4C6-C98DA3205C09}" type="datetimeFigureOut">
               <a:rPr lang="en-US" smtClean="0"/>
-              <a:t>12/4/2025</a:t>
+              <a:t>1/31/2026</a:t>
             </a:fld>
             <a:endParaRPr lang="en-US"/>
           </a:p>
@@ -6112,7 +6112,7 @@
           <a:p>
             <a:fld id="{1D8BD707-D9CF-40AE-B4C6-C98DA3205C09}" type="datetimeFigureOut">
               <a:rPr lang="en-US" smtClean="0"/>
-              <a:t>12/4/2025</a:t>
+              <a:t>1/31/2026</a:t>
             </a:fld>
             <a:endParaRPr lang="en-US"/>
           </a:p>
@@ -6242,7 +6242,7 @@
           <a:p>
             <a:fld id="{1D8BD707-D9CF-40AE-B4C6-C98DA3205C09}" type="datetimeFigureOut">
               <a:rPr lang="en-US" smtClean="0"/>
-              <a:t>12/4/2025</a:t>
+              <a:t>1/31/2026</a:t>
             </a:fld>
             <a:endParaRPr lang="en-US"/>
           </a:p>
@@ -6502,7 +6502,7 @@
           <a:p>
             <a:fld id="{1D8BD707-D9CF-40AE-B4C6-C98DA3205C09}" type="datetimeFigureOut">
               <a:rPr lang="en-US" smtClean="0"/>
-              <a:t>12/4/2025</a:t>
+              <a:t>1/31/2026</a:t>
             </a:fld>
             <a:endParaRPr lang="en-US"/>
           </a:p>
@@ -6805,7 +6805,7 @@
           <a:p>
             <a:fld id="{1D8BD707-D9CF-40AE-B4C6-C98DA3205C09}" type="datetimeFigureOut">
               <a:rPr lang="en-US" smtClean="0"/>
-              <a:t>12/4/2025</a:t>
+              <a:t>1/31/2026</a:t>
             </a:fld>
             <a:endParaRPr lang="en-US"/>
           </a:p>
@@ -7187,7 +7187,7 @@
           <a:p>
             <a:fld id="{1D8BD707-D9CF-40AE-B4C6-C98DA3205C09}" type="datetimeFigureOut">
               <a:rPr lang="en-US" smtClean="0"/>
-              <a:t>12/4/2025</a:t>
+              <a:t>1/31/2026</a:t>
             </a:fld>
             <a:endParaRPr lang="en-US"/>
           </a:p>
@@ -7341,7 +7341,7 @@
           <a:p>
             <a:fld id="{1D8BD707-D9CF-40AE-B4C6-C98DA3205C09}" type="datetimeFigureOut">
               <a:rPr lang="en-US" smtClean="0"/>
-              <a:t>12/4/2025</a:t>
+              <a:t>1/31/2026</a:t>
             </a:fld>
             <a:endParaRPr lang="en-US"/>
           </a:p>
@@ -7468,7 +7468,7 @@
             <a:fld id="{B61BEF0D-F0BB-DE4B-95CE-6DB70DBA9567}" type="datetimeFigureOut">
               <a:rPr lang="en-US" smtClean="0"/>
               <a:pPr/>
-              <a:t>12/4/2025</a:t>
+              <a:t>1/31/2026</a:t>
             </a:fld>
             <a:endParaRPr lang="en-US" dirty="0"/>
           </a:p>
@@ -7784,7 +7784,7 @@
           <a:p>
             <a:fld id="{1D8BD707-D9CF-40AE-B4C6-C98DA3205C09}" type="datetimeFigureOut">
               <a:rPr lang="en-US" smtClean="0"/>
-              <a:t>12/4/2025</a:t>
+              <a:t>1/31/2026</a:t>
             </a:fld>
             <a:endParaRPr lang="en-US"/>
           </a:p>
@@ -8166,7 +8166,7 @@
           <a:p>
             <a:fld id="{1D8BD707-D9CF-40AE-B4C6-C98DA3205C09}" type="datetimeFigureOut">
               <a:rPr lang="en-US" smtClean="0"/>
-              <a:t>12/4/2025</a:t>
+              <a:t>1/31/2026</a:t>
             </a:fld>
             <a:endParaRPr lang="en-US"/>
           </a:p>
@@ -8807,187 +8807,6 @@
           </a:p>
         </p:txBody>
       </p:sp>
-      <p:sp>
-        <p:nvSpPr>
-          <p:cNvPr id="4" name="TextBox 3"/>
-          <p:cNvSpPr txBox="1"/>
-          <p:nvPr/>
-        </p:nvSpPr>
-        <p:spPr>
-          <a:xfrm>
-            <a:off x="1231900" y="4097382"/>
-            <a:ext cx="4004622" cy="740459"/>
-          </a:xfrm>
-          <a:prstGeom prst="rect">
-            <a:avLst/>
-          </a:prstGeom>
-          <a:noFill/>
-        </p:spPr>
-        <p:txBody>
-          <a:bodyPr wrap="none">
-            <a:spAutoFit/>
-          </a:bodyPr>
-          <a:lstStyle/>
-          <a:p>
-            <a:pPr algn="l">
-              <a:defRPr sz="2400" b="0">
-                <a:solidFill>
-                  <a:srgbClr val="000000"/>
-                </a:solidFill>
-              </a:defRPr>
-            </a:pPr>
-            <a:r>
-              <a:rPr lang="en-IN" sz="2106" dirty="0">
-                <a:solidFill>
-                  <a:srgbClr val="323232"/>
-                </a:solidFill>
-                <a:latin typeface="Calibri"/>
-              </a:rPr>
-              <a:t>Starting Date : December 4,2025</a:t>
-            </a:r>
-          </a:p>
-          <a:p>
-            <a:pPr algn="l">
-              <a:defRPr sz="2400" b="0">
-                <a:solidFill>
-                  <a:srgbClr val="000000"/>
-                </a:solidFill>
-              </a:defRPr>
-            </a:pPr>
-            <a:r>
-              <a:rPr lang="en-IN" sz="2106" dirty="0">
-                <a:solidFill>
-                  <a:srgbClr val="323232"/>
-                </a:solidFill>
-                <a:latin typeface="Calibri"/>
-              </a:rPr>
-              <a:t>Time : 8:00 PM IST to 10:00 PM IST</a:t>
-            </a:r>
-            <a:endParaRPr sz="2106" dirty="0">
-              <a:solidFill>
-                <a:srgbClr val="323232"/>
-              </a:solidFill>
-              <a:latin typeface="Calibri"/>
-            </a:endParaRPr>
-          </a:p>
-        </p:txBody>
-      </p:sp>
-      <p:pic>
-        <p:nvPicPr>
-          <p:cNvPr id="6" name="Picture 5" descr="A logo with blue berries&#10;&#10;AI-generated content may be incorrect.">
-            <a:extLst>
-              <a:ext uri="{FF2B5EF4-FFF2-40B4-BE49-F238E27FC236}">
-                <a16:creationId xmlns:a16="http://schemas.microsoft.com/office/drawing/2014/main" id="{D6084676-6DE9-E68C-63CD-9FA4F3EBB2C6}"/>
-              </a:ext>
-            </a:extLst>
-          </p:cNvPr>
-          <p:cNvPicPr>
-            <a:picLocks noChangeAspect="1"/>
-          </p:cNvPicPr>
-          <p:nvPr/>
-        </p:nvPicPr>
-        <p:blipFill>
-          <a:blip r:embed="rId2">
-            <a:extLst>
-              <a:ext uri="{28A0092B-C50C-407E-A947-70E740481C1C}">
-                <a14:useLocalDpi xmlns:a14="http://schemas.microsoft.com/office/drawing/2010/main" val="0"/>
-              </a:ext>
-            </a:extLst>
-          </a:blip>
-          <a:stretch>
-            <a:fillRect/>
-          </a:stretch>
-        </p:blipFill>
-        <p:spPr>
-          <a:xfrm>
-            <a:off x="1494" y="6405561"/>
-            <a:ext cx="2047504" cy="1150939"/>
-          </a:xfrm>
-          <a:prstGeom prst="rect">
-            <a:avLst/>
-          </a:prstGeom>
-        </p:spPr>
-      </p:pic>
-      <p:sp>
-        <p:nvSpPr>
-          <p:cNvPr id="9" name="TextBox 8">
-            <a:extLst>
-              <a:ext uri="{FF2B5EF4-FFF2-40B4-BE49-F238E27FC236}">
-                <a16:creationId xmlns:a16="http://schemas.microsoft.com/office/drawing/2014/main" id="{FD150733-1B0B-17CC-15B1-94C9B59D3BE3}"/>
-              </a:ext>
-            </a:extLst>
-          </p:cNvPr>
-          <p:cNvSpPr txBox="1"/>
-          <p:nvPr/>
-        </p:nvSpPr>
-        <p:spPr>
-          <a:xfrm>
-            <a:off x="3594100" y="6796364"/>
-            <a:ext cx="5345206" cy="369332"/>
-          </a:xfrm>
-          <a:prstGeom prst="rect">
-            <a:avLst/>
-          </a:prstGeom>
-          <a:noFill/>
-        </p:spPr>
-        <p:txBody>
-          <a:bodyPr wrap="square">
-            <a:spAutoFit/>
-          </a:bodyPr>
-          <a:lstStyle/>
-          <a:p>
-            <a:pPr algn="l">
-              <a:defRPr sz="1800" b="0">
-                <a:solidFill>
-                  <a:srgbClr val="646464"/>
-                </a:solidFill>
-              </a:defRPr>
-            </a:pPr>
-            <a:r>
-              <a:rPr lang="en-IN" sz="1800" dirty="0">
-                <a:solidFill>
-                  <a:srgbClr val="323232"/>
-                </a:solidFill>
-                <a:latin typeface="Calibri"/>
-              </a:rPr>
-              <a:t>Powered by </a:t>
-            </a:r>
-            <a:r>
-              <a:rPr lang="en-IN" sz="1800" dirty="0" err="1">
-                <a:solidFill>
-                  <a:srgbClr val="323232"/>
-                </a:solidFill>
-                <a:latin typeface="Calibri"/>
-              </a:rPr>
-              <a:t>PurpleSkill</a:t>
-            </a:r>
-            <a:r>
-              <a:rPr lang="en-IN" sz="1800" dirty="0">
-                <a:solidFill>
-                  <a:srgbClr val="323232"/>
-                </a:solidFill>
-                <a:latin typeface="Calibri"/>
-              </a:rPr>
-              <a:t> &amp; </a:t>
-            </a:r>
-            <a:r>
-              <a:rPr lang="en-IN" sz="1800" dirty="0" err="1">
-                <a:solidFill>
-                  <a:srgbClr val="323232"/>
-                </a:solidFill>
-                <a:latin typeface="Calibri"/>
-              </a:rPr>
-              <a:t>SpanLabs</a:t>
-            </a:r>
-            <a:endParaRPr lang="en-IN" sz="1800" dirty="0">
-              <a:solidFill>
-                <a:srgbClr val="323232"/>
-              </a:solidFill>
-              <a:latin typeface="Calibri"/>
-            </a:endParaRPr>
-          </a:p>
-        </p:txBody>
-      </p:sp>
     </p:spTree>
   </p:cSld>
   <p:clrMapOvr>
@@ -9020,48 +8839,43 @@
             <a:spLocks noGrp="1"/>
           </p:cNvSpPr>
           <p:nvPr>
-            <p:ph type="title" idx="4294967295"/>
+            <p:ph type="title"/>
+          </p:nvPr>
+        </p:nvSpPr>
+        <p:spPr/>
+        <p:txBody>
+          <a:bodyPr/>
+          <a:lstStyle/>
+          <a:p>
+            <a:r>
+              <a:rPr dirty="0"/>
+              <a:t>Agentic AI with </a:t>
+            </a:r>
+            <a:r>
+              <a:rPr dirty="0" err="1"/>
+              <a:t>ChromaDB</a:t>
+            </a:r>
+            <a:r>
+              <a:rPr dirty="0"/>
+              <a:t> - Flow</a:t>
+            </a:r>
+          </a:p>
+        </p:txBody>
+      </p:sp>
+      <p:sp>
+        <p:nvSpPr>
+          <p:cNvPr id="3" name="Content Placeholder 2"/>
+          <p:cNvSpPr>
+            <a:spLocks noGrp="1"/>
+          </p:cNvSpPr>
+          <p:nvPr>
+            <p:ph idx="4294967295"/>
           </p:nvPr>
         </p:nvSpPr>
         <p:spPr>
           <a:xfrm>
-            <a:off x="1308100" y="806450"/>
-            <a:ext cx="7950200" cy="1436687"/>
-          </a:xfrm>
-        </p:spPr>
-        <p:txBody>
-          <a:bodyPr/>
-          <a:lstStyle/>
-          <a:p>
-            <a:r>
-              <a:rPr dirty="0"/>
-              <a:t>Agentic AI with </a:t>
-            </a:r>
-            <a:r>
-              <a:rPr dirty="0" err="1"/>
-              <a:t>ChromaDB</a:t>
-            </a:r>
-            <a:r>
-              <a:rPr dirty="0"/>
-              <a:t> - Flow</a:t>
-            </a:r>
-          </a:p>
-        </p:txBody>
-      </p:sp>
-      <p:sp>
-        <p:nvSpPr>
-          <p:cNvPr id="3" name="Content Placeholder 2"/>
-          <p:cNvSpPr>
-            <a:spLocks noGrp="1"/>
-          </p:cNvSpPr>
-          <p:nvPr>
-            <p:ph idx="4294967295"/>
-          </p:nvPr>
-        </p:nvSpPr>
-        <p:spPr>
-          <a:xfrm>
-            <a:off x="1460500" y="2253428"/>
-            <a:ext cx="7950200" cy="3795713"/>
+            <a:off x="2743200" y="2252663"/>
+            <a:ext cx="7950200" cy="3795712"/>
           </a:xfrm>
         </p:spPr>
         <p:txBody>
@@ -9132,66 +8946,6 @@
           <a:chExt cx="0" cy="0"/>
         </a:xfrm>
       </p:grpSpPr>
-      <p:pic>
-        <p:nvPicPr>
-          <p:cNvPr id="3" name="Picture 2" descr="A close-up of a logo&#10;&#10;AI-generated content may be incorrect.">
-            <a:extLst>
-              <a:ext uri="{FF2B5EF4-FFF2-40B4-BE49-F238E27FC236}">
-                <a16:creationId xmlns:a16="http://schemas.microsoft.com/office/drawing/2014/main" id="{E535FA6C-A4E7-DB99-5690-3173B409ACE7}"/>
-              </a:ext>
-            </a:extLst>
-          </p:cNvPr>
-          <p:cNvPicPr>
-            <a:picLocks noChangeAspect="1"/>
-          </p:cNvPicPr>
-          <p:nvPr/>
-        </p:nvPicPr>
-        <p:blipFill>
-          <a:blip r:embed="rId2"/>
-          <a:stretch>
-            <a:fillRect/>
-          </a:stretch>
-        </p:blipFill>
-        <p:spPr>
-          <a:xfrm>
-            <a:off x="9075117" y="6673850"/>
-            <a:ext cx="1442724" cy="756251"/>
-          </a:xfrm>
-          <a:prstGeom prst="rect">
-            <a:avLst/>
-          </a:prstGeom>
-        </p:spPr>
-      </p:pic>
-      <p:pic>
-        <p:nvPicPr>
-          <p:cNvPr id="4" name="Picture 3" descr="A logo with blue berries&#10;&#10;AI-generated content may be incorrect.">
-            <a:extLst>
-              <a:ext uri="{FF2B5EF4-FFF2-40B4-BE49-F238E27FC236}">
-                <a16:creationId xmlns:a16="http://schemas.microsoft.com/office/drawing/2014/main" id="{493A878A-B423-4F97-67AA-3B0522E9F841}"/>
-              </a:ext>
-            </a:extLst>
-          </p:cNvPr>
-          <p:cNvPicPr>
-            <a:picLocks noChangeAspect="1"/>
-          </p:cNvPicPr>
-          <p:nvPr/>
-        </p:nvPicPr>
-        <p:blipFill>
-          <a:blip r:embed="rId3"/>
-          <a:stretch>
-            <a:fillRect/>
-          </a:stretch>
-        </p:blipFill>
-        <p:spPr>
-          <a:xfrm>
-            <a:off x="88900" y="6673850"/>
-            <a:ext cx="1589741" cy="893622"/>
-          </a:xfrm>
-          <a:prstGeom prst="rect">
-            <a:avLst/>
-          </a:prstGeom>
-        </p:spPr>
-      </p:pic>
       <p:graphicFrame>
         <p:nvGraphicFramePr>
           <p:cNvPr id="5" name="Diagram 4">
@@ -9216,10 +8970,35 @@
         </p:xfrm>
         <a:graphic>
           <a:graphicData uri="http://schemas.openxmlformats.org/drawingml/2006/diagram">
-            <dgm:relIds xmlns:dgm="http://schemas.openxmlformats.org/drawingml/2006/diagram" xmlns:r="http://schemas.openxmlformats.org/officeDocument/2006/relationships" r:dm="rId4" r:lo="rId5" r:qs="rId6" r:cs="rId7"/>
+            <dgm:relIds xmlns:dgm="http://schemas.openxmlformats.org/drawingml/2006/diagram" xmlns:r="http://schemas.openxmlformats.org/officeDocument/2006/relationships" r:dm="rId2" r:lo="rId3" r:qs="rId4" r:cs="rId5"/>
           </a:graphicData>
         </a:graphic>
       </p:graphicFrame>
+      <p:sp>
+        <p:nvSpPr>
+          <p:cNvPr id="2" name="Title 1">
+            <a:extLst>
+              <a:ext uri="{FF2B5EF4-FFF2-40B4-BE49-F238E27FC236}">
+                <a16:creationId xmlns:a16="http://schemas.microsoft.com/office/drawing/2014/main" id="{A262A056-B91F-331A-346C-9BB000594E18}"/>
+              </a:ext>
+            </a:extLst>
+          </p:cNvPr>
+          <p:cNvSpPr>
+            <a:spLocks noGrp="1"/>
+          </p:cNvSpPr>
+          <p:nvPr>
+            <p:ph type="title"/>
+          </p:nvPr>
+        </p:nvSpPr>
+        <p:spPr/>
+        <p:txBody>
+          <a:bodyPr/>
+          <a:lstStyle/>
+          <a:p>
+            <a:endParaRPr lang="en-IN"/>
+          </a:p>
+        </p:txBody>
+      </p:sp>
     </p:spTree>
   </p:cSld>
   <p:clrMapOvr>
@@ -9252,44 +9031,39 @@
             <a:spLocks noGrp="1"/>
           </p:cNvSpPr>
           <p:nvPr>
-            <p:ph type="ctrTitle" idx="4294967295"/>
+            <p:ph type="title"/>
+          </p:nvPr>
+        </p:nvSpPr>
+        <p:spPr/>
+        <p:txBody>
+          <a:bodyPr/>
+          <a:lstStyle/>
+          <a:p>
+            <a:r>
+              <a:rPr dirty="0" err="1"/>
+              <a:t>ChromaDB</a:t>
+            </a:r>
+            <a:r>
+              <a:rPr dirty="0"/>
+              <a:t> for Agentic AI</a:t>
+            </a:r>
+          </a:p>
+        </p:txBody>
+      </p:sp>
+      <p:sp>
+        <p:nvSpPr>
+          <p:cNvPr id="3" name="Subtitle 2"/>
+          <p:cNvSpPr>
+            <a:spLocks noGrp="1"/>
+          </p:cNvSpPr>
+          <p:nvPr>
+            <p:ph type="subTitle" idx="4294967295"/>
           </p:nvPr>
         </p:nvSpPr>
         <p:spPr>
           <a:xfrm>
-            <a:off x="1993900" y="1568450"/>
-            <a:ext cx="6208712" cy="1668463"/>
-          </a:xfrm>
-        </p:spPr>
-        <p:txBody>
-          <a:bodyPr/>
-          <a:lstStyle/>
-          <a:p>
-            <a:r>
-              <a:rPr dirty="0" err="1"/>
-              <a:t>ChromaDB</a:t>
-            </a:r>
-            <a:r>
-              <a:rPr dirty="0"/>
-              <a:t> for Agentic AI</a:t>
-            </a:r>
-          </a:p>
-        </p:txBody>
-      </p:sp>
-      <p:sp>
-        <p:nvSpPr>
-          <p:cNvPr id="3" name="Subtitle 2"/>
-          <p:cNvSpPr>
-            <a:spLocks noGrp="1"/>
-          </p:cNvSpPr>
-          <p:nvPr>
-            <p:ph type="subTitle" idx="4294967295"/>
-          </p:nvPr>
-        </p:nvSpPr>
-        <p:spPr>
-          <a:xfrm>
-            <a:off x="1984128" y="3702050"/>
-            <a:ext cx="6208712" cy="1517650"/>
+            <a:off x="2242343" y="3019425"/>
+            <a:ext cx="6208713" cy="1517650"/>
           </a:xfrm>
         </p:spPr>
         <p:txBody>
@@ -9335,47 +9109,42 @@
             <a:spLocks noGrp="1"/>
           </p:cNvSpPr>
           <p:nvPr>
-            <p:ph type="title" idx="4294967295"/>
+            <p:ph type="title"/>
+          </p:nvPr>
+        </p:nvSpPr>
+        <p:spPr/>
+        <p:txBody>
+          <a:bodyPr/>
+          <a:lstStyle/>
+          <a:p>
+            <a:r>
+              <a:rPr dirty="0"/>
+              <a:t>What is </a:t>
+            </a:r>
+            <a:r>
+              <a:rPr dirty="0" err="1"/>
+              <a:t>ChromaDB</a:t>
+            </a:r>
+            <a:r>
+              <a:rPr dirty="0"/>
+              <a:t>?</a:t>
+            </a:r>
+          </a:p>
+        </p:txBody>
+      </p:sp>
+      <p:sp>
+        <p:nvSpPr>
+          <p:cNvPr id="3" name="Content Placeholder 2"/>
+          <p:cNvSpPr>
+            <a:spLocks noGrp="1"/>
+          </p:cNvSpPr>
+          <p:nvPr>
+            <p:ph idx="4294967295"/>
           </p:nvPr>
         </p:nvSpPr>
         <p:spPr>
           <a:xfrm>
-            <a:off x="1231900" y="806450"/>
-            <a:ext cx="7950200" cy="1436687"/>
-          </a:xfrm>
-        </p:spPr>
-        <p:txBody>
-          <a:bodyPr/>
-          <a:lstStyle/>
-          <a:p>
-            <a:r>
-              <a:rPr dirty="0"/>
-              <a:t>What is </a:t>
-            </a:r>
-            <a:r>
-              <a:rPr dirty="0" err="1"/>
-              <a:t>ChromaDB</a:t>
-            </a:r>
-            <a:r>
-              <a:rPr dirty="0"/>
-              <a:t>?</a:t>
-            </a:r>
-          </a:p>
-        </p:txBody>
-      </p:sp>
-      <p:sp>
-        <p:nvSpPr>
-          <p:cNvPr id="3" name="Content Placeholder 2"/>
-          <p:cNvSpPr>
-            <a:spLocks noGrp="1"/>
-          </p:cNvSpPr>
-          <p:nvPr>
-            <p:ph idx="4294967295"/>
-          </p:nvPr>
-        </p:nvSpPr>
-        <p:spPr>
-          <a:xfrm>
-            <a:off x="1536700" y="2559050"/>
+            <a:off x="1460500" y="2378496"/>
             <a:ext cx="7950200" cy="3795713"/>
           </a:xfrm>
         </p:spPr>
@@ -9440,47 +9209,42 @@
             <a:spLocks noGrp="1"/>
           </p:cNvSpPr>
           <p:nvPr>
-            <p:ph type="title" idx="4294967295"/>
+            <p:ph type="title"/>
+          </p:nvPr>
+        </p:nvSpPr>
+        <p:spPr/>
+        <p:txBody>
+          <a:bodyPr/>
+          <a:lstStyle/>
+          <a:p>
+            <a:r>
+              <a:rPr dirty="0"/>
+              <a:t>Why </a:t>
+            </a:r>
+            <a:r>
+              <a:rPr dirty="0" err="1"/>
+              <a:t>ChromaDB</a:t>
+            </a:r>
+            <a:r>
+              <a:rPr dirty="0"/>
+              <a:t> for Agentic AI?</a:t>
+            </a:r>
+          </a:p>
+        </p:txBody>
+      </p:sp>
+      <p:sp>
+        <p:nvSpPr>
+          <p:cNvPr id="3" name="Content Placeholder 2"/>
+          <p:cNvSpPr>
+            <a:spLocks noGrp="1"/>
+          </p:cNvSpPr>
+          <p:nvPr>
+            <p:ph idx="4294967295"/>
           </p:nvPr>
         </p:nvSpPr>
         <p:spPr>
           <a:xfrm>
-            <a:off x="1079500" y="958850"/>
-            <a:ext cx="7950200" cy="1436687"/>
-          </a:xfrm>
-        </p:spPr>
-        <p:txBody>
-          <a:bodyPr/>
-          <a:lstStyle/>
-          <a:p>
-            <a:r>
-              <a:rPr dirty="0"/>
-              <a:t>Why </a:t>
-            </a:r>
-            <a:r>
-              <a:rPr dirty="0" err="1"/>
-              <a:t>ChromaDB</a:t>
-            </a:r>
-            <a:r>
-              <a:rPr dirty="0"/>
-              <a:t> for Agentic AI?</a:t>
-            </a:r>
-          </a:p>
-        </p:txBody>
-      </p:sp>
-      <p:sp>
-        <p:nvSpPr>
-          <p:cNvPr id="3" name="Content Placeholder 2"/>
-          <p:cNvSpPr>
-            <a:spLocks noGrp="1"/>
-          </p:cNvSpPr>
-          <p:nvPr>
-            <p:ph idx="4294967295"/>
-          </p:nvPr>
-        </p:nvSpPr>
-        <p:spPr>
-          <a:xfrm>
-            <a:off x="1612900" y="2482850"/>
+            <a:off x="1376821" y="2410027"/>
             <a:ext cx="7950200" cy="3795713"/>
           </a:xfrm>
         </p:spPr>
@@ -9559,43 +9323,38 @@
             <a:spLocks noGrp="1"/>
           </p:cNvSpPr>
           <p:nvPr>
-            <p:ph type="title" idx="4294967295"/>
+            <p:ph type="title"/>
+          </p:nvPr>
+        </p:nvSpPr>
+        <p:spPr/>
+        <p:txBody>
+          <a:bodyPr/>
+          <a:lstStyle/>
+          <a:p>
+            <a:r>
+              <a:rPr dirty="0" err="1"/>
+              <a:t>ChromaDB</a:t>
+            </a:r>
+            <a:r>
+              <a:rPr dirty="0"/>
+              <a:t> Architecture</a:t>
+            </a:r>
+          </a:p>
+        </p:txBody>
+      </p:sp>
+      <p:sp>
+        <p:nvSpPr>
+          <p:cNvPr id="3" name="Content Placeholder 2"/>
+          <p:cNvSpPr>
+            <a:spLocks noGrp="1"/>
+          </p:cNvSpPr>
+          <p:nvPr>
+            <p:ph idx="4294967295"/>
           </p:nvPr>
         </p:nvSpPr>
         <p:spPr>
           <a:xfrm>
-            <a:off x="927100" y="1017587"/>
-            <a:ext cx="7950200" cy="1436687"/>
-          </a:xfrm>
-        </p:spPr>
-        <p:txBody>
-          <a:bodyPr/>
-          <a:lstStyle/>
-          <a:p>
-            <a:r>
-              <a:rPr dirty="0" err="1"/>
-              <a:t>ChromaDB</a:t>
-            </a:r>
-            <a:r>
-              <a:rPr dirty="0"/>
-              <a:t> Architecture</a:t>
-            </a:r>
-          </a:p>
-        </p:txBody>
-      </p:sp>
-      <p:sp>
-        <p:nvSpPr>
-          <p:cNvPr id="3" name="Content Placeholder 2"/>
-          <p:cNvSpPr>
-            <a:spLocks noGrp="1"/>
-          </p:cNvSpPr>
-          <p:nvPr>
-            <p:ph idx="4294967295"/>
-          </p:nvPr>
-        </p:nvSpPr>
-        <p:spPr>
-          <a:xfrm>
-            <a:off x="1765300" y="2559050"/>
+            <a:off x="1231900" y="2445234"/>
             <a:ext cx="7950200" cy="3795713"/>
           </a:xfrm>
         </p:spPr>
@@ -9676,39 +9435,34 @@
             <a:spLocks noGrp="1"/>
           </p:cNvSpPr>
           <p:nvPr>
-            <p:ph type="title" idx="4294967295"/>
+            <p:ph type="title"/>
+          </p:nvPr>
+        </p:nvSpPr>
+        <p:spPr/>
+        <p:txBody>
+          <a:bodyPr/>
+          <a:lstStyle/>
+          <a:p>
+            <a:r>
+              <a:rPr dirty="0"/>
+              <a:t>What is FAISS?</a:t>
+            </a:r>
+          </a:p>
+        </p:txBody>
+      </p:sp>
+      <p:sp>
+        <p:nvSpPr>
+          <p:cNvPr id="3" name="Content Placeholder 2"/>
+          <p:cNvSpPr>
+            <a:spLocks noGrp="1"/>
+          </p:cNvSpPr>
+          <p:nvPr>
+            <p:ph idx="4294967295"/>
           </p:nvPr>
         </p:nvSpPr>
         <p:spPr>
           <a:xfrm>
-            <a:off x="1536700" y="882650"/>
-            <a:ext cx="7950200" cy="1436687"/>
-          </a:xfrm>
-        </p:spPr>
-        <p:txBody>
-          <a:bodyPr/>
-          <a:lstStyle/>
-          <a:p>
-            <a:r>
-              <a:rPr dirty="0"/>
-              <a:t>What is FAISS?</a:t>
-            </a:r>
-          </a:p>
-        </p:txBody>
-      </p:sp>
-      <p:sp>
-        <p:nvSpPr>
-          <p:cNvPr id="3" name="Content Placeholder 2"/>
-          <p:cNvSpPr>
-            <a:spLocks noGrp="1"/>
-          </p:cNvSpPr>
-          <p:nvPr>
-            <p:ph idx="4294967295"/>
-          </p:nvPr>
-        </p:nvSpPr>
-        <p:spPr>
-          <a:xfrm>
-            <a:off x="1765300" y="2482850"/>
+            <a:off x="1841500" y="2399516"/>
             <a:ext cx="7950200" cy="3795713"/>
           </a:xfrm>
         </p:spPr>
@@ -9779,44 +9533,39 @@
             <a:spLocks noGrp="1"/>
           </p:cNvSpPr>
           <p:nvPr>
-            <p:ph type="title" idx="4294967295"/>
+            <p:ph type="title"/>
+          </p:nvPr>
+        </p:nvSpPr>
+        <p:spPr/>
+        <p:txBody>
+          <a:bodyPr/>
+          <a:lstStyle/>
+          <a:p>
+            <a:r>
+              <a:rPr dirty="0" err="1"/>
+              <a:t>ChromaDB</a:t>
+            </a:r>
+            <a:r>
+              <a:rPr dirty="0"/>
+              <a:t> vs FAISS</a:t>
+            </a:r>
+          </a:p>
+        </p:txBody>
+      </p:sp>
+      <p:sp>
+        <p:nvSpPr>
+          <p:cNvPr id="3" name="Content Placeholder 2"/>
+          <p:cNvSpPr>
+            <a:spLocks noGrp="1"/>
+          </p:cNvSpPr>
+          <p:nvPr>
+            <p:ph idx="4294967295"/>
           </p:nvPr>
         </p:nvSpPr>
         <p:spPr>
           <a:xfrm>
-            <a:off x="1155700" y="654050"/>
-            <a:ext cx="7950200" cy="1436687"/>
-          </a:xfrm>
-        </p:spPr>
-        <p:txBody>
-          <a:bodyPr/>
-          <a:lstStyle/>
-          <a:p>
-            <a:r>
-              <a:rPr dirty="0" err="1"/>
-              <a:t>ChromaDB</a:t>
-            </a:r>
-            <a:r>
-              <a:rPr dirty="0"/>
-              <a:t> vs FAISS</a:t>
-            </a:r>
-          </a:p>
-        </p:txBody>
-      </p:sp>
-      <p:sp>
-        <p:nvSpPr>
-          <p:cNvPr id="3" name="Content Placeholder 2"/>
-          <p:cNvSpPr>
-            <a:spLocks noGrp="1"/>
-          </p:cNvSpPr>
-          <p:nvPr>
-            <p:ph idx="4294967295"/>
-          </p:nvPr>
-        </p:nvSpPr>
-        <p:spPr>
-          <a:xfrm>
-            <a:off x="1765300" y="2090737"/>
-            <a:ext cx="7950200" cy="3795713"/>
+            <a:off x="2743200" y="2090738"/>
+            <a:ext cx="7950200" cy="3795712"/>
           </a:xfrm>
         </p:spPr>
         <p:txBody>
@@ -9925,40 +9674,35 @@
             <a:spLocks noGrp="1"/>
           </p:cNvSpPr>
           <p:nvPr>
-            <p:ph type="title" idx="4294967295"/>
+            <p:ph type="title"/>
+          </p:nvPr>
+        </p:nvSpPr>
+        <p:spPr/>
+        <p:txBody>
+          <a:bodyPr/>
+          <a:lstStyle/>
+          <a:p>
+            <a:r>
+              <a:rPr dirty="0"/>
+              <a:t>When to Use What?</a:t>
+            </a:r>
+          </a:p>
+        </p:txBody>
+      </p:sp>
+      <p:sp>
+        <p:nvSpPr>
+          <p:cNvPr id="3" name="Content Placeholder 2"/>
+          <p:cNvSpPr>
+            <a:spLocks noGrp="1"/>
+          </p:cNvSpPr>
+          <p:nvPr>
+            <p:ph idx="4294967295"/>
           </p:nvPr>
         </p:nvSpPr>
         <p:spPr>
           <a:xfrm>
-            <a:off x="927100" y="654050"/>
-            <a:ext cx="7950200" cy="1436687"/>
-          </a:xfrm>
-        </p:spPr>
-        <p:txBody>
-          <a:bodyPr/>
-          <a:lstStyle/>
-          <a:p>
-            <a:r>
-              <a:rPr dirty="0"/>
-              <a:t>When to Use What?</a:t>
-            </a:r>
-          </a:p>
-        </p:txBody>
-      </p:sp>
-      <p:sp>
-        <p:nvSpPr>
-          <p:cNvPr id="3" name="Content Placeholder 2"/>
-          <p:cNvSpPr>
-            <a:spLocks noGrp="1"/>
-          </p:cNvSpPr>
-          <p:nvPr>
-            <p:ph idx="4294967295"/>
-          </p:nvPr>
-        </p:nvSpPr>
-        <p:spPr>
-          <a:xfrm>
-            <a:off x="1536700" y="2090737"/>
-            <a:ext cx="7950200" cy="3795713"/>
+            <a:off x="2743200" y="2090738"/>
+            <a:ext cx="7950200" cy="3795712"/>
           </a:xfrm>
         </p:spPr>
         <p:txBody>
